--- a/Android Activity Lifecycle.pptx
+++ b/Android Activity Lifecycle.pptx
@@ -8,6 +8,7 @@
     <p:sldId id="256" r:id="rId2"/>
     <p:sldId id="257" r:id="rId3"/>
     <p:sldId id="258" r:id="rId4"/>
+    <p:sldId id="259" r:id="rId5"/>
   </p:sldIdLst>
   <p:sldSz cx="12192000" cy="6858000"/>
   <p:notesSz cx="6858000" cy="9144000"/>
@@ -106,6 +107,27 @@
       </a:defRPr>
     </a:lvl9pPr>
   </p:defaultTextStyle>
+  <p:extLst>
+    <p:ext uri="{521415D9-36F7-43E2-AB2F-B90AF26B5E84}">
+      <p14:sectionLst xmlns:p14="http://schemas.microsoft.com/office/powerpoint/2010/main">
+        <p14:section name="Default Section" id="{83EB77BB-446C-4B58-A750-248E53529936}">
+          <p14:sldIdLst>
+            <p14:sldId id="256"/>
+            <p14:sldId id="257"/>
+          </p14:sldIdLst>
+        </p14:section>
+        <p14:section name="Adapter &gt; ViewHolder &gt; RecyclerView" id="{ED2873D2-7274-4F37-9EA1-29B6BCF376E0}">
+          <p14:sldIdLst>
+            <p14:sldId id="258"/>
+            <p14:sldId id="259"/>
+          </p14:sldIdLst>
+        </p14:section>
+      </p14:sectionLst>
+    </p:ext>
+    <p:ext uri="{EFAFB233-063F-42B5-8137-9DF3F51BA10A}">
+      <p15:sldGuideLst xmlns:p15="http://schemas.microsoft.com/office/powerpoint/2012/main"/>
+    </p:ext>
+  </p:extLst>
 </p:presentation>
 </file>
 
@@ -151,7 +173,7 @@
           </a:lstStyle>
           <a:p>
             <a:r>
-              <a:rPr lang="en-US" smtClean="0"/>
+              <a:rPr lang="en-US"/>
               <a:t>Click to edit Master title style</a:t>
             </a:r>
             <a:endParaRPr lang="en-SG"/>
@@ -216,7 +238,7 @@
           </a:lstStyle>
           <a:p>
             <a:r>
-              <a:rPr lang="en-US" smtClean="0"/>
+              <a:rPr lang="en-US"/>
               <a:t>Click to edit Master subtitle style</a:t>
             </a:r>
             <a:endParaRPr lang="en-SG"/>
@@ -240,7 +262,7 @@
           <a:p>
             <a:fld id="{D0255EFB-A077-440B-BB8F-918E450D588D}" type="datetimeFigureOut">
               <a:rPr lang="en-SG" smtClean="0"/>
-              <a:t>30/5/2022</a:t>
+              <a:t>31/5/2022</a:t>
             </a:fld>
             <a:endParaRPr lang="en-SG"/>
           </a:p>
@@ -334,7 +356,7 @@
           <a:lstStyle/>
           <a:p>
             <a:r>
-              <a:rPr lang="en-US" smtClean="0"/>
+              <a:rPr lang="en-US"/>
               <a:t>Click to edit Master title style</a:t>
             </a:r>
             <a:endParaRPr lang="en-SG"/>
@@ -358,35 +380,35 @@
           <a:p>
             <a:pPr lvl="0"/>
             <a:r>
-              <a:rPr lang="en-US" smtClean="0"/>
+              <a:rPr lang="en-US"/>
               <a:t>Edit Master text styles</a:t>
             </a:r>
           </a:p>
           <a:p>
             <a:pPr lvl="1"/>
             <a:r>
-              <a:rPr lang="en-US" smtClean="0"/>
+              <a:rPr lang="en-US"/>
               <a:t>Second level</a:t>
             </a:r>
           </a:p>
           <a:p>
             <a:pPr lvl="2"/>
             <a:r>
-              <a:rPr lang="en-US" smtClean="0"/>
+              <a:rPr lang="en-US"/>
               <a:t>Third level</a:t>
             </a:r>
           </a:p>
           <a:p>
             <a:pPr lvl="3"/>
             <a:r>
-              <a:rPr lang="en-US" smtClean="0"/>
+              <a:rPr lang="en-US"/>
               <a:t>Fourth level</a:t>
             </a:r>
           </a:p>
           <a:p>
             <a:pPr lvl="4"/>
             <a:r>
-              <a:rPr lang="en-US" smtClean="0"/>
+              <a:rPr lang="en-US"/>
               <a:t>Fifth level</a:t>
             </a:r>
             <a:endParaRPr lang="en-SG"/>
@@ -410,7 +432,7 @@
           <a:p>
             <a:fld id="{D0255EFB-A077-440B-BB8F-918E450D588D}" type="datetimeFigureOut">
               <a:rPr lang="en-SG" smtClean="0"/>
-              <a:t>30/5/2022</a:t>
+              <a:t>31/5/2022</a:t>
             </a:fld>
             <a:endParaRPr lang="en-SG"/>
           </a:p>
@@ -509,7 +531,7 @@
           <a:lstStyle/>
           <a:p>
             <a:r>
-              <a:rPr lang="en-US" smtClean="0"/>
+              <a:rPr lang="en-US"/>
               <a:t>Click to edit Master title style</a:t>
             </a:r>
             <a:endParaRPr lang="en-SG"/>
@@ -538,35 +560,35 @@
           <a:p>
             <a:pPr lvl="0"/>
             <a:r>
-              <a:rPr lang="en-US" smtClean="0"/>
+              <a:rPr lang="en-US"/>
               <a:t>Edit Master text styles</a:t>
             </a:r>
           </a:p>
           <a:p>
             <a:pPr lvl="1"/>
             <a:r>
-              <a:rPr lang="en-US" smtClean="0"/>
+              <a:rPr lang="en-US"/>
               <a:t>Second level</a:t>
             </a:r>
           </a:p>
           <a:p>
             <a:pPr lvl="2"/>
             <a:r>
-              <a:rPr lang="en-US" smtClean="0"/>
+              <a:rPr lang="en-US"/>
               <a:t>Third level</a:t>
             </a:r>
           </a:p>
           <a:p>
             <a:pPr lvl="3"/>
             <a:r>
-              <a:rPr lang="en-US" smtClean="0"/>
+              <a:rPr lang="en-US"/>
               <a:t>Fourth level</a:t>
             </a:r>
           </a:p>
           <a:p>
             <a:pPr lvl="4"/>
             <a:r>
-              <a:rPr lang="en-US" smtClean="0"/>
+              <a:rPr lang="en-US"/>
               <a:t>Fifth level</a:t>
             </a:r>
             <a:endParaRPr lang="en-SG"/>
@@ -590,7 +612,7 @@
           <a:p>
             <a:fld id="{D0255EFB-A077-440B-BB8F-918E450D588D}" type="datetimeFigureOut">
               <a:rPr lang="en-SG" smtClean="0"/>
-              <a:t>30/5/2022</a:t>
+              <a:t>31/5/2022</a:t>
             </a:fld>
             <a:endParaRPr lang="en-SG"/>
           </a:p>
@@ -684,7 +706,7 @@
           <a:lstStyle/>
           <a:p>
             <a:r>
-              <a:rPr lang="en-US" smtClean="0"/>
+              <a:rPr lang="en-US"/>
               <a:t>Click to edit Master title style</a:t>
             </a:r>
             <a:endParaRPr lang="en-SG"/>
@@ -708,35 +730,35 @@
           <a:p>
             <a:pPr lvl="0"/>
             <a:r>
-              <a:rPr lang="en-US" smtClean="0"/>
+              <a:rPr lang="en-US"/>
               <a:t>Edit Master text styles</a:t>
             </a:r>
           </a:p>
           <a:p>
             <a:pPr lvl="1"/>
             <a:r>
-              <a:rPr lang="en-US" smtClean="0"/>
+              <a:rPr lang="en-US"/>
               <a:t>Second level</a:t>
             </a:r>
           </a:p>
           <a:p>
             <a:pPr lvl="2"/>
             <a:r>
-              <a:rPr lang="en-US" smtClean="0"/>
+              <a:rPr lang="en-US"/>
               <a:t>Third level</a:t>
             </a:r>
           </a:p>
           <a:p>
             <a:pPr lvl="3"/>
             <a:r>
-              <a:rPr lang="en-US" smtClean="0"/>
+              <a:rPr lang="en-US"/>
               <a:t>Fourth level</a:t>
             </a:r>
           </a:p>
           <a:p>
             <a:pPr lvl="4"/>
             <a:r>
-              <a:rPr lang="en-US" smtClean="0"/>
+              <a:rPr lang="en-US"/>
               <a:t>Fifth level</a:t>
             </a:r>
             <a:endParaRPr lang="en-SG"/>
@@ -760,7 +782,7 @@
           <a:p>
             <a:fld id="{D0255EFB-A077-440B-BB8F-918E450D588D}" type="datetimeFigureOut">
               <a:rPr lang="en-SG" smtClean="0"/>
-              <a:t>30/5/2022</a:t>
+              <a:t>31/5/2022</a:t>
             </a:fld>
             <a:endParaRPr lang="en-SG"/>
           </a:p>
@@ -863,7 +885,7 @@
           </a:lstStyle>
           <a:p>
             <a:r>
-              <a:rPr lang="en-US" smtClean="0"/>
+              <a:rPr lang="en-US"/>
               <a:t>Click to edit Master title style</a:t>
             </a:r>
             <a:endParaRPr lang="en-SG"/>
@@ -983,7 +1005,7 @@
           <a:p>
             <a:pPr lvl="0"/>
             <a:r>
-              <a:rPr lang="en-US" smtClean="0"/>
+              <a:rPr lang="en-US"/>
               <a:t>Edit Master text styles</a:t>
             </a:r>
           </a:p>
@@ -1006,7 +1028,7 @@
           <a:p>
             <a:fld id="{D0255EFB-A077-440B-BB8F-918E450D588D}" type="datetimeFigureOut">
               <a:rPr lang="en-SG" smtClean="0"/>
-              <a:t>30/5/2022</a:t>
+              <a:t>31/5/2022</a:t>
             </a:fld>
             <a:endParaRPr lang="en-SG"/>
           </a:p>
@@ -1100,7 +1122,7 @@
           <a:lstStyle/>
           <a:p>
             <a:r>
-              <a:rPr lang="en-US" smtClean="0"/>
+              <a:rPr lang="en-US"/>
               <a:t>Click to edit Master title style</a:t>
             </a:r>
             <a:endParaRPr lang="en-SG"/>
@@ -1129,35 +1151,35 @@
           <a:p>
             <a:pPr lvl="0"/>
             <a:r>
-              <a:rPr lang="en-US" smtClean="0"/>
+              <a:rPr lang="en-US"/>
               <a:t>Edit Master text styles</a:t>
             </a:r>
           </a:p>
           <a:p>
             <a:pPr lvl="1"/>
             <a:r>
-              <a:rPr lang="en-US" smtClean="0"/>
+              <a:rPr lang="en-US"/>
               <a:t>Second level</a:t>
             </a:r>
           </a:p>
           <a:p>
             <a:pPr lvl="2"/>
             <a:r>
-              <a:rPr lang="en-US" smtClean="0"/>
+              <a:rPr lang="en-US"/>
               <a:t>Third level</a:t>
             </a:r>
           </a:p>
           <a:p>
             <a:pPr lvl="3"/>
             <a:r>
-              <a:rPr lang="en-US" smtClean="0"/>
+              <a:rPr lang="en-US"/>
               <a:t>Fourth level</a:t>
             </a:r>
           </a:p>
           <a:p>
             <a:pPr lvl="4"/>
             <a:r>
-              <a:rPr lang="en-US" smtClean="0"/>
+              <a:rPr lang="en-US"/>
               <a:t>Fifth level</a:t>
             </a:r>
             <a:endParaRPr lang="en-SG"/>
@@ -1186,35 +1208,35 @@
           <a:p>
             <a:pPr lvl="0"/>
             <a:r>
-              <a:rPr lang="en-US" smtClean="0"/>
+              <a:rPr lang="en-US"/>
               <a:t>Edit Master text styles</a:t>
             </a:r>
           </a:p>
           <a:p>
             <a:pPr lvl="1"/>
             <a:r>
-              <a:rPr lang="en-US" smtClean="0"/>
+              <a:rPr lang="en-US"/>
               <a:t>Second level</a:t>
             </a:r>
           </a:p>
           <a:p>
             <a:pPr lvl="2"/>
             <a:r>
-              <a:rPr lang="en-US" smtClean="0"/>
+              <a:rPr lang="en-US"/>
               <a:t>Third level</a:t>
             </a:r>
           </a:p>
           <a:p>
             <a:pPr lvl="3"/>
             <a:r>
-              <a:rPr lang="en-US" smtClean="0"/>
+              <a:rPr lang="en-US"/>
               <a:t>Fourth level</a:t>
             </a:r>
           </a:p>
           <a:p>
             <a:pPr lvl="4"/>
             <a:r>
-              <a:rPr lang="en-US" smtClean="0"/>
+              <a:rPr lang="en-US"/>
               <a:t>Fifth level</a:t>
             </a:r>
             <a:endParaRPr lang="en-SG"/>
@@ -1238,7 +1260,7 @@
           <a:p>
             <a:fld id="{D0255EFB-A077-440B-BB8F-918E450D588D}" type="datetimeFigureOut">
               <a:rPr lang="en-SG" smtClean="0"/>
-              <a:t>30/5/2022</a:t>
+              <a:t>31/5/2022</a:t>
             </a:fld>
             <a:endParaRPr lang="en-SG"/>
           </a:p>
@@ -1337,7 +1359,7 @@
           <a:lstStyle/>
           <a:p>
             <a:r>
-              <a:rPr lang="en-US" smtClean="0"/>
+              <a:rPr lang="en-US"/>
               <a:t>Click to edit Master title style</a:t>
             </a:r>
             <a:endParaRPr lang="en-SG"/>
@@ -1403,7 +1425,7 @@
           <a:p>
             <a:pPr lvl="0"/>
             <a:r>
-              <a:rPr lang="en-US" smtClean="0"/>
+              <a:rPr lang="en-US"/>
               <a:t>Edit Master text styles</a:t>
             </a:r>
           </a:p>
@@ -1431,35 +1453,35 @@
           <a:p>
             <a:pPr lvl="0"/>
             <a:r>
-              <a:rPr lang="en-US" smtClean="0"/>
+              <a:rPr lang="en-US"/>
               <a:t>Edit Master text styles</a:t>
             </a:r>
           </a:p>
           <a:p>
             <a:pPr lvl="1"/>
             <a:r>
-              <a:rPr lang="en-US" smtClean="0"/>
+              <a:rPr lang="en-US"/>
               <a:t>Second level</a:t>
             </a:r>
           </a:p>
           <a:p>
             <a:pPr lvl="2"/>
             <a:r>
-              <a:rPr lang="en-US" smtClean="0"/>
+              <a:rPr lang="en-US"/>
               <a:t>Third level</a:t>
             </a:r>
           </a:p>
           <a:p>
             <a:pPr lvl="3"/>
             <a:r>
-              <a:rPr lang="en-US" smtClean="0"/>
+              <a:rPr lang="en-US"/>
               <a:t>Fourth level</a:t>
             </a:r>
           </a:p>
           <a:p>
             <a:pPr lvl="4"/>
             <a:r>
-              <a:rPr lang="en-US" smtClean="0"/>
+              <a:rPr lang="en-US"/>
               <a:t>Fifth level</a:t>
             </a:r>
             <a:endParaRPr lang="en-SG"/>
@@ -1525,7 +1547,7 @@
           <a:p>
             <a:pPr lvl="0"/>
             <a:r>
-              <a:rPr lang="en-US" smtClean="0"/>
+              <a:rPr lang="en-US"/>
               <a:t>Edit Master text styles</a:t>
             </a:r>
           </a:p>
@@ -1553,35 +1575,35 @@
           <a:p>
             <a:pPr lvl="0"/>
             <a:r>
-              <a:rPr lang="en-US" smtClean="0"/>
+              <a:rPr lang="en-US"/>
               <a:t>Edit Master text styles</a:t>
             </a:r>
           </a:p>
           <a:p>
             <a:pPr lvl="1"/>
             <a:r>
-              <a:rPr lang="en-US" smtClean="0"/>
+              <a:rPr lang="en-US"/>
               <a:t>Second level</a:t>
             </a:r>
           </a:p>
           <a:p>
             <a:pPr lvl="2"/>
             <a:r>
-              <a:rPr lang="en-US" smtClean="0"/>
+              <a:rPr lang="en-US"/>
               <a:t>Third level</a:t>
             </a:r>
           </a:p>
           <a:p>
             <a:pPr lvl="3"/>
             <a:r>
-              <a:rPr lang="en-US" smtClean="0"/>
+              <a:rPr lang="en-US"/>
               <a:t>Fourth level</a:t>
             </a:r>
           </a:p>
           <a:p>
             <a:pPr lvl="4"/>
             <a:r>
-              <a:rPr lang="en-US" smtClean="0"/>
+              <a:rPr lang="en-US"/>
               <a:t>Fifth level</a:t>
             </a:r>
             <a:endParaRPr lang="en-SG"/>
@@ -1605,7 +1627,7 @@
           <a:p>
             <a:fld id="{D0255EFB-A077-440B-BB8F-918E450D588D}" type="datetimeFigureOut">
               <a:rPr lang="en-SG" smtClean="0"/>
-              <a:t>30/5/2022</a:t>
+              <a:t>31/5/2022</a:t>
             </a:fld>
             <a:endParaRPr lang="en-SG"/>
           </a:p>
@@ -1699,7 +1721,7 @@
           <a:lstStyle/>
           <a:p>
             <a:r>
-              <a:rPr lang="en-US" smtClean="0"/>
+              <a:rPr lang="en-US"/>
               <a:t>Click to edit Master title style</a:t>
             </a:r>
             <a:endParaRPr lang="en-SG"/>
@@ -1723,7 +1745,7 @@
           <a:p>
             <a:fld id="{D0255EFB-A077-440B-BB8F-918E450D588D}" type="datetimeFigureOut">
               <a:rPr lang="en-SG" smtClean="0"/>
-              <a:t>30/5/2022</a:t>
+              <a:t>31/5/2022</a:t>
             </a:fld>
             <a:endParaRPr lang="en-SG"/>
           </a:p>
@@ -1818,7 +1840,7 @@
           <a:p>
             <a:fld id="{D0255EFB-A077-440B-BB8F-918E450D588D}" type="datetimeFigureOut">
               <a:rPr lang="en-SG" smtClean="0"/>
-              <a:t>30/5/2022</a:t>
+              <a:t>31/5/2022</a:t>
             </a:fld>
             <a:endParaRPr lang="en-SG"/>
           </a:p>
@@ -1921,7 +1943,7 @@
           </a:lstStyle>
           <a:p>
             <a:r>
-              <a:rPr lang="en-US" smtClean="0"/>
+              <a:rPr lang="en-US"/>
               <a:t>Click to edit Master title style</a:t>
             </a:r>
             <a:endParaRPr lang="en-SG"/>
@@ -1978,35 +2000,35 @@
           <a:p>
             <a:pPr lvl="0"/>
             <a:r>
-              <a:rPr lang="en-US" smtClean="0"/>
+              <a:rPr lang="en-US"/>
               <a:t>Edit Master text styles</a:t>
             </a:r>
           </a:p>
           <a:p>
             <a:pPr lvl="1"/>
             <a:r>
-              <a:rPr lang="en-US" smtClean="0"/>
+              <a:rPr lang="en-US"/>
               <a:t>Second level</a:t>
             </a:r>
           </a:p>
           <a:p>
             <a:pPr lvl="2"/>
             <a:r>
-              <a:rPr lang="en-US" smtClean="0"/>
+              <a:rPr lang="en-US"/>
               <a:t>Third level</a:t>
             </a:r>
           </a:p>
           <a:p>
             <a:pPr lvl="3"/>
             <a:r>
-              <a:rPr lang="en-US" smtClean="0"/>
+              <a:rPr lang="en-US"/>
               <a:t>Fourth level</a:t>
             </a:r>
           </a:p>
           <a:p>
             <a:pPr lvl="4"/>
             <a:r>
-              <a:rPr lang="en-US" smtClean="0"/>
+              <a:rPr lang="en-US"/>
               <a:t>Fifth level</a:t>
             </a:r>
             <a:endParaRPr lang="en-SG"/>
@@ -2072,7 +2094,7 @@
           <a:p>
             <a:pPr lvl="0"/>
             <a:r>
-              <a:rPr lang="en-US" smtClean="0"/>
+              <a:rPr lang="en-US"/>
               <a:t>Edit Master text styles</a:t>
             </a:r>
           </a:p>
@@ -2095,7 +2117,7 @@
           <a:p>
             <a:fld id="{D0255EFB-A077-440B-BB8F-918E450D588D}" type="datetimeFigureOut">
               <a:rPr lang="en-SG" smtClean="0"/>
-              <a:t>30/5/2022</a:t>
+              <a:t>31/5/2022</a:t>
             </a:fld>
             <a:endParaRPr lang="en-SG"/>
           </a:p>
@@ -2198,7 +2220,7 @@
           </a:lstStyle>
           <a:p>
             <a:r>
-              <a:rPr lang="en-US" smtClean="0"/>
+              <a:rPr lang="en-US"/>
               <a:t>Click to edit Master title style</a:t>
             </a:r>
             <a:endParaRPr lang="en-SG"/>
@@ -2325,7 +2347,7 @@
           <a:p>
             <a:pPr lvl="0"/>
             <a:r>
-              <a:rPr lang="en-US" smtClean="0"/>
+              <a:rPr lang="en-US"/>
               <a:t>Edit Master text styles</a:t>
             </a:r>
           </a:p>
@@ -2348,7 +2370,7 @@
           <a:p>
             <a:fld id="{D0255EFB-A077-440B-BB8F-918E450D588D}" type="datetimeFigureOut">
               <a:rPr lang="en-SG" smtClean="0"/>
-              <a:t>30/5/2022</a:t>
+              <a:t>31/5/2022</a:t>
             </a:fld>
             <a:endParaRPr lang="en-SG"/>
           </a:p>
@@ -2457,7 +2479,7 @@
           <a:lstStyle/>
           <a:p>
             <a:r>
-              <a:rPr lang="en-US" smtClean="0"/>
+              <a:rPr lang="en-US"/>
               <a:t>Click to edit Master title style</a:t>
             </a:r>
             <a:endParaRPr lang="en-SG"/>
@@ -2491,35 +2513,35 @@
           <a:p>
             <a:pPr lvl="0"/>
             <a:r>
-              <a:rPr lang="en-US" smtClean="0"/>
+              <a:rPr lang="en-US"/>
               <a:t>Edit Master text styles</a:t>
             </a:r>
           </a:p>
           <a:p>
             <a:pPr lvl="1"/>
             <a:r>
-              <a:rPr lang="en-US" smtClean="0"/>
+              <a:rPr lang="en-US"/>
               <a:t>Second level</a:t>
             </a:r>
           </a:p>
           <a:p>
             <a:pPr lvl="2"/>
             <a:r>
-              <a:rPr lang="en-US" smtClean="0"/>
+              <a:rPr lang="en-US"/>
               <a:t>Third level</a:t>
             </a:r>
           </a:p>
           <a:p>
             <a:pPr lvl="3"/>
             <a:r>
-              <a:rPr lang="en-US" smtClean="0"/>
+              <a:rPr lang="en-US"/>
               <a:t>Fourth level</a:t>
             </a:r>
           </a:p>
           <a:p>
             <a:pPr lvl="4"/>
             <a:r>
-              <a:rPr lang="en-US" smtClean="0"/>
+              <a:rPr lang="en-US"/>
               <a:t>Fifth level</a:t>
             </a:r>
             <a:endParaRPr lang="en-SG"/>
@@ -2561,7 +2583,7 @@
           <a:p>
             <a:fld id="{D0255EFB-A077-440B-BB8F-918E450D588D}" type="datetimeFigureOut">
               <a:rPr lang="en-SG" smtClean="0"/>
-              <a:t>30/5/2022</a:t>
+              <a:t>31/5/2022</a:t>
             </a:fld>
             <a:endParaRPr lang="en-SG"/>
           </a:p>
@@ -2982,7 +3004,7 @@
           <a:lstStyle/>
           <a:p>
             <a:r>
-              <a:rPr lang="en-US" dirty="0" smtClean="0"/>
+              <a:rPr lang="en-US" dirty="0"/>
               <a:t>Android Activity Lifecycle</a:t>
             </a:r>
             <a:endParaRPr lang="en-SG" dirty="0"/>
@@ -3005,7 +3027,7 @@
           <a:lstStyle/>
           <a:p>
             <a:r>
-              <a:rPr lang="en-US" dirty="0" smtClean="0"/>
+              <a:rPr lang="en-US" dirty="0"/>
               <a:t>Concepts and stuff???</a:t>
             </a:r>
             <a:endParaRPr lang="en-SG" dirty="0"/>
@@ -3058,7 +3080,7 @@
           <a:lstStyle/>
           <a:p>
             <a:r>
-              <a:rPr lang="en-US" dirty="0" smtClean="0"/>
+              <a:rPr lang="en-US" dirty="0"/>
               <a:t>Adapter</a:t>
             </a:r>
             <a:endParaRPr lang="en-SG" dirty="0"/>
@@ -3088,36 +3110,36 @@
           <a:lstStyle/>
           <a:p>
             <a:r>
-              <a:rPr lang="en-US" sz="2400" dirty="0" smtClean="0"/>
+              <a:rPr lang="en-US" sz="2400" dirty="0"/>
               <a:t>Adapts data into something that can be used by </a:t>
             </a:r>
             <a:r>
-              <a:rPr lang="en-US" sz="2400" dirty="0" err="1" smtClean="0"/>
+              <a:rPr lang="en-US" sz="2400" dirty="0" err="1"/>
               <a:t>RecyclerView</a:t>
             </a:r>
-            <a:endParaRPr lang="en-US" sz="2400" dirty="0" smtClean="0"/>
-          </a:p>
-          <a:p>
-            <a:r>
-              <a:rPr lang="en-US" sz="2400" dirty="0" smtClean="0"/>
+            <a:endParaRPr lang="en-US" sz="2400" dirty="0"/>
+          </a:p>
+          <a:p>
+            <a:r>
+              <a:rPr lang="en-US" sz="2400" dirty="0"/>
               <a:t>When the app runs, </a:t>
             </a:r>
             <a:r>
-              <a:rPr lang="en-US" sz="2400" dirty="0" err="1" smtClean="0"/>
+              <a:rPr lang="en-US" sz="2400" dirty="0" err="1"/>
               <a:t>RecyclerView</a:t>
             </a:r>
             <a:r>
-              <a:rPr lang="en-US" sz="2400" dirty="0" smtClean="0"/>
+              <a:rPr lang="en-US" sz="2400" dirty="0"/>
               <a:t> uses the adapter to figure out how to display the data on the screen</a:t>
             </a:r>
           </a:p>
           <a:p>
             <a:r>
-              <a:rPr lang="en-US" sz="2400" dirty="0" err="1" smtClean="0"/>
+              <a:rPr lang="en-US" sz="2400" dirty="0" err="1"/>
               <a:t>RecyclerView</a:t>
             </a:r>
             <a:r>
-              <a:rPr lang="en-US" sz="2400" dirty="0" smtClean="0"/>
+              <a:rPr lang="en-US" sz="2400" dirty="0"/>
               <a:t> asks the adapter to create a new list view item for the first data item in your list, and once it has the view, it asks the adapter to provide the data to draw the item</a:t>
             </a:r>
             <a:endParaRPr lang="en-SG" sz="2400" dirty="0"/>
@@ -3218,11 +3240,11 @@
           <a:lstStyle/>
           <a:p>
             <a:r>
-              <a:rPr lang="en-US" dirty="0" err="1" smtClean="0"/>
+              <a:rPr lang="en-US" dirty="0" err="1"/>
               <a:t>RecyclerView</a:t>
             </a:r>
             <a:r>
-              <a:rPr lang="en-US" dirty="0" smtClean="0"/>
+              <a:rPr lang="en-US" dirty="0"/>
               <a:t> (UI component)</a:t>
             </a:r>
             <a:endParaRPr lang="en-SG" dirty="0"/>
@@ -3271,14 +3293,6 @@
           <a:lstStyle/>
           <a:p>
             <a:pPr algn="ctr"/>
-            <a:r>
-              <a:rPr lang="en-US" dirty="0" err="1" smtClean="0">
-                <a:solidFill>
-                  <a:schemeClr val="tx1"/>
-                </a:solidFill>
-              </a:rPr>
-              <a:t>ViewHolder</a:t>
-            </a:r>
             <a:endParaRPr lang="en-SG" dirty="0">
               <a:solidFill>
                 <a:schemeClr val="tx1"/>
@@ -3330,7 +3344,7 @@
           <a:p>
             <a:pPr algn="ctr"/>
             <a:r>
-              <a:rPr lang="en-US" smtClean="0">
+              <a:rPr lang="en-US">
                 <a:solidFill>
                   <a:schemeClr val="tx1"/>
                 </a:solidFill>
@@ -3388,7 +3402,7 @@
           <a:p>
             <a:pPr algn="ctr"/>
             <a:r>
-              <a:rPr lang="en-US" smtClean="0">
+              <a:rPr lang="en-US">
                 <a:solidFill>
                   <a:schemeClr val="tx1"/>
                 </a:solidFill>
@@ -3446,7 +3460,7 @@
           <a:p>
             <a:pPr algn="ctr"/>
             <a:r>
-              <a:rPr lang="en-US" smtClean="0">
+              <a:rPr lang="en-US">
                 <a:solidFill>
                   <a:schemeClr val="tx1"/>
                 </a:solidFill>
@@ -3469,8 +3483,8 @@
         </p:nvSpPr>
         <p:spPr>
           <a:xfrm>
-            <a:off x="4699000" y="1371600"/>
-            <a:ext cx="2336800" cy="1016000"/>
+            <a:off x="1334247" y="1562785"/>
+            <a:ext cx="1763806" cy="633630"/>
           </a:xfrm>
           <a:prstGeom prst="rect">
             <a:avLst/>
@@ -3504,7 +3518,7 @@
           <a:p>
             <a:pPr algn="ctr"/>
             <a:r>
-              <a:rPr lang="en-US" dirty="0" err="1" smtClean="0">
+              <a:rPr lang="en-US" dirty="0" err="1">
                 <a:solidFill>
                   <a:schemeClr val="tx1"/>
                 </a:solidFill>
@@ -3512,7 +3526,7 @@
               <a:t>ListView</a:t>
             </a:r>
             <a:r>
-              <a:rPr lang="en-US" dirty="0" smtClean="0">
+              <a:rPr lang="en-US" dirty="0">
                 <a:solidFill>
                   <a:schemeClr val="tx1"/>
                 </a:solidFill>
@@ -3523,7 +3537,7 @@
           <a:p>
             <a:pPr algn="ctr"/>
             <a:r>
-              <a:rPr lang="en-US" dirty="0" smtClean="0">
+              <a:rPr lang="en-US" dirty="0">
                 <a:solidFill>
                   <a:schemeClr val="tx1"/>
                 </a:solidFill>
@@ -3542,14 +3556,16 @@
         <p:nvCxnSpPr>
           <p:cNvPr id="10" name="Straight Arrow Connector 9"/>
           <p:cNvCxnSpPr>
-            <a:stCxn id="8" idx="1"/>
+            <a:cxnSpLocks/>
+            <a:stCxn id="4" idx="3"/>
+            <a:endCxn id="8" idx="3"/>
           </p:cNvCxnSpPr>
           <p:nvPr/>
         </p:nvCxnSpPr>
         <p:spPr>
           <a:xfrm flipH="1">
-            <a:off x="3378200" y="1879600"/>
-            <a:ext cx="1320800" cy="0"/>
+            <a:off x="3098053" y="1879600"/>
+            <a:ext cx="280147" cy="0"/>
           </a:xfrm>
           <a:prstGeom prst="straightConnector1">
             <a:avLst/>
@@ -3616,7 +3632,7 @@
           <a:p>
             <a:pPr algn="ctr"/>
             <a:r>
-              <a:rPr lang="en-US" dirty="0" smtClean="0">
+              <a:rPr lang="en-US" dirty="0">
                 <a:solidFill>
                   <a:schemeClr val="tx1"/>
                 </a:solidFill>
@@ -3674,7 +3690,7 @@
           <a:p>
             <a:pPr algn="ctr"/>
             <a:r>
-              <a:rPr lang="en-US" dirty="0" smtClean="0">
+              <a:rPr lang="en-US" dirty="0">
                 <a:solidFill>
                   <a:schemeClr val="tx1"/>
                 </a:solidFill>
@@ -3684,120 +3700,6 @@
             <a:endParaRPr lang="en-SG" dirty="0">
               <a:solidFill>
                 <a:schemeClr val="tx1"/>
-              </a:solidFill>
-            </a:endParaRPr>
-          </a:p>
-        </p:txBody>
-      </p:sp>
-      <p:cxnSp>
-        <p:nvCxnSpPr>
-          <p:cNvPr id="14" name="Straight Arrow Connector 13"/>
-          <p:cNvCxnSpPr>
-            <a:stCxn id="11" idx="1"/>
-            <a:endCxn id="8" idx="3"/>
-          </p:cNvCxnSpPr>
-          <p:nvPr/>
-        </p:nvCxnSpPr>
-        <p:spPr>
-          <a:xfrm flipH="1">
-            <a:off x="7035800" y="1879600"/>
-            <a:ext cx="1727200" cy="0"/>
-          </a:xfrm>
-          <a:prstGeom prst="straightConnector1">
-            <a:avLst/>
-          </a:prstGeom>
-          <a:ln>
-            <a:tailEnd type="triangle"/>
-          </a:ln>
-        </p:spPr>
-        <p:style>
-          <a:lnRef idx="1">
-            <a:schemeClr val="accent1"/>
-          </a:lnRef>
-          <a:fillRef idx="0">
-            <a:schemeClr val="accent1"/>
-          </a:fillRef>
-          <a:effectRef idx="0">
-            <a:schemeClr val="accent1"/>
-          </a:effectRef>
-          <a:fontRef idx="minor">
-            <a:schemeClr val="tx1"/>
-          </a:fontRef>
-        </p:style>
-      </p:cxnSp>
-      <p:sp>
-        <p:nvSpPr>
-          <p:cNvPr id="16" name="TextBox 15"/>
-          <p:cNvSpPr txBox="1"/>
-          <p:nvPr/>
-        </p:nvSpPr>
-        <p:spPr>
-          <a:xfrm>
-            <a:off x="7117679" y="1571823"/>
-            <a:ext cx="1563441" cy="307777"/>
-          </a:xfrm>
-          <a:prstGeom prst="rect">
-            <a:avLst/>
-          </a:prstGeom>
-          <a:noFill/>
-        </p:spPr>
-        <p:txBody>
-          <a:bodyPr wrap="none" rtlCol="0">
-            <a:spAutoFit/>
-          </a:bodyPr>
-          <a:lstStyle/>
-          <a:p>
-            <a:pPr algn="ctr"/>
-            <a:r>
-              <a:rPr lang="en-US" sz="1400" dirty="0" smtClean="0">
-                <a:solidFill>
-                  <a:schemeClr val="accent1"/>
-                </a:solidFill>
-              </a:rPr>
-              <a:t>Populate with data</a:t>
-            </a:r>
-            <a:endParaRPr lang="en-SG" sz="1400" dirty="0">
-              <a:solidFill>
-                <a:schemeClr val="accent1"/>
-              </a:solidFill>
-            </a:endParaRPr>
-          </a:p>
-        </p:txBody>
-      </p:sp>
-      <p:sp>
-        <p:nvSpPr>
-          <p:cNvPr id="17" name="TextBox 16"/>
-          <p:cNvSpPr txBox="1"/>
-          <p:nvPr/>
-        </p:nvSpPr>
-        <p:spPr>
-          <a:xfrm>
-            <a:off x="7148170" y="1879600"/>
-            <a:ext cx="1502463" cy="307777"/>
-          </a:xfrm>
-          <a:prstGeom prst="rect">
-            <a:avLst/>
-          </a:prstGeom>
-          <a:noFill/>
-        </p:spPr>
-        <p:txBody>
-          <a:bodyPr wrap="none" rtlCol="0">
-            <a:spAutoFit/>
-          </a:bodyPr>
-          <a:lstStyle/>
-          <a:p>
-            <a:pPr algn="ctr"/>
-            <a:r>
-              <a:rPr lang="en-US" sz="1400" dirty="0" smtClean="0">
-                <a:solidFill>
-                  <a:schemeClr val="accent1"/>
-                </a:solidFill>
-              </a:rPr>
-              <a:t>Control display on</a:t>
-            </a:r>
-            <a:endParaRPr lang="en-SG" sz="1400" dirty="0">
-              <a:solidFill>
-                <a:schemeClr val="accent1"/>
               </a:solidFill>
             </a:endParaRPr>
           </a:p>
@@ -3862,7 +3764,7 @@
           <a:lstStyle/>
           <a:p>
             <a:r>
-              <a:rPr lang="en-US" sz="1400" dirty="0" smtClean="0">
+              <a:rPr lang="en-US" sz="1400" dirty="0">
                 <a:solidFill>
                   <a:schemeClr val="accent1"/>
                 </a:solidFill>
@@ -3885,8 +3787,8 @@
         </p:nvSpPr>
         <p:spPr>
           <a:xfrm>
-            <a:off x="3403871" y="1571823"/>
-            <a:ext cx="1325620" cy="307777"/>
+            <a:off x="3059877" y="1586010"/>
+            <a:ext cx="649345" cy="307777"/>
           </a:xfrm>
           <a:prstGeom prst="rect">
             <a:avLst/>
@@ -3901,12 +3803,12 @@
           <a:p>
             <a:pPr algn="ctr"/>
             <a:r>
-              <a:rPr lang="en-US" sz="1400" dirty="0" smtClean="0">
+              <a:rPr lang="en-US" sz="1400" dirty="0">
                 <a:solidFill>
                   <a:schemeClr val="accent1"/>
                 </a:solidFill>
               </a:rPr>
-              <a:t>Represented by</a:t>
+              <a:t>Wraps</a:t>
             </a:r>
             <a:endParaRPr lang="en-SG" sz="1400" dirty="0">
               <a:solidFill>
@@ -3959,8 +3861,8 @@
         </p:nvSpPr>
         <p:spPr>
           <a:xfrm>
-            <a:off x="3535774" y="674588"/>
-            <a:ext cx="5082352" cy="523220"/>
+            <a:off x="4101679" y="570347"/>
+            <a:ext cx="4404715" cy="1169551"/>
           </a:xfrm>
           <a:prstGeom prst="rect">
             <a:avLst/>
@@ -3975,15 +3877,50 @@
           <a:p>
             <a:pPr algn="ctr"/>
             <a:r>
-              <a:rPr lang="en-US" sz="1400" dirty="0" smtClean="0">
+              <a:rPr lang="en-US" sz="1400" dirty="0">
                 <a:solidFill>
                   <a:schemeClr val="accent1"/>
                 </a:solidFill>
               </a:rPr>
-              <a:t>Holds; once a </a:t>
-            </a:r>
-            <a:r>
-              <a:rPr lang="en-US" sz="1400" dirty="0" err="1" smtClean="0">
+              <a:t>Creates </a:t>
+            </a:r>
+            <a:r>
+              <a:rPr lang="en-US" sz="1400" dirty="0" err="1">
+                <a:solidFill>
+                  <a:schemeClr val="accent1"/>
+                </a:solidFill>
+              </a:rPr>
+              <a:t>ViewHolders</a:t>
+            </a:r>
+            <a:r>
+              <a:rPr lang="en-US" sz="1400" dirty="0">
+                <a:solidFill>
+                  <a:schemeClr val="accent1"/>
+                </a:solidFill>
+              </a:rPr>
+              <a:t> to wrap around a View and to set data for the View</a:t>
+            </a:r>
+          </a:p>
+          <a:p>
+            <a:pPr algn="ctr"/>
+            <a:endParaRPr lang="en-US" sz="1400" dirty="0">
+              <a:solidFill>
+                <a:schemeClr val="accent1"/>
+              </a:solidFill>
+            </a:endParaRPr>
+          </a:p>
+          <a:p>
+            <a:pPr algn="ctr"/>
+            <a:r>
+              <a:rPr lang="en-US" sz="1400" dirty="0">
+                <a:solidFill>
+                  <a:schemeClr val="accent1"/>
+                </a:solidFill>
+              </a:rPr>
+              <a:t>Once a </a:t>
+            </a:r>
+            <a:r>
+              <a:rPr lang="en-US" sz="1400" dirty="0" err="1">
                 <a:solidFill>
                   <a:schemeClr val="accent1"/>
                 </a:solidFill>
@@ -3991,12 +3928,12 @@
               <a:t>ViewHolder</a:t>
             </a:r>
             <a:r>
-              <a:rPr lang="en-US" sz="1400" dirty="0" smtClean="0">
+              <a:rPr lang="en-US" sz="1400" dirty="0">
                 <a:solidFill>
                   <a:schemeClr val="accent1"/>
                 </a:solidFill>
               </a:rPr>
-              <a:t> is reused (when it goes out of screen), adapter will pass it next data</a:t>
+              <a:t> is reused (when it goes out of screen), the adapter will pass it next data</a:t>
             </a:r>
             <a:endParaRPr lang="en-SG" sz="1400" dirty="0">
               <a:solidFill>
@@ -4043,7 +3980,7 @@
           <a:p>
             <a:pPr algn="ctr"/>
             <a:r>
-              <a:rPr lang="en-US" sz="1200" dirty="0" smtClean="0"/>
+              <a:rPr lang="en-US" sz="1200" dirty="0"/>
               <a:t>Model</a:t>
             </a:r>
             <a:endParaRPr lang="en-SG" sz="1200" dirty="0"/>
@@ -4073,30 +4010,263 @@
           <a:lstStyle/>
           <a:p>
             <a:r>
-              <a:rPr lang="en-US" dirty="0" smtClean="0"/>
+              <a:rPr lang="en-US" dirty="0"/>
               <a:t>Adapter uses </a:t>
             </a:r>
             <a:r>
-              <a:rPr lang="en-US" dirty="0" err="1" smtClean="0"/>
+              <a:rPr lang="en-US" dirty="0" err="1"/>
               <a:t>ViewHolder</a:t>
             </a:r>
             <a:r>
-              <a:rPr lang="en-US" dirty="0" smtClean="0"/>
+              <a:rPr lang="en-US" dirty="0"/>
               <a:t> objects as a way to bind (display) data to the UI, in this case the </a:t>
             </a:r>
             <a:r>
-              <a:rPr lang="en-US" dirty="0" err="1" smtClean="0"/>
+              <a:rPr lang="en-US" dirty="0" err="1"/>
               <a:t>ListView</a:t>
             </a:r>
             <a:r>
-              <a:rPr lang="en-US" dirty="0" smtClean="0"/>
+              <a:rPr lang="en-US" dirty="0"/>
               <a:t> UI component in </a:t>
             </a:r>
             <a:r>
-              <a:rPr lang="en-US" dirty="0" err="1" smtClean="0"/>
+              <a:rPr lang="en-US" dirty="0" err="1"/>
               <a:t>RecyclerView</a:t>
             </a:r>
             <a:endParaRPr lang="en-SG" dirty="0"/>
+          </a:p>
+        </p:txBody>
+      </p:sp>
+      <p:sp>
+        <p:nvSpPr>
+          <p:cNvPr id="26" name="TextBox 25">
+            <a:extLst>
+              <a:ext uri="{FF2B5EF4-FFF2-40B4-BE49-F238E27FC236}">
+                <a16:creationId xmlns:a16="http://schemas.microsoft.com/office/drawing/2014/main" id="{8718EF31-67F8-4DE0-83A5-CE0CEC813D4C}"/>
+              </a:ext>
+            </a:extLst>
+          </p:cNvPr>
+          <p:cNvSpPr txBox="1"/>
+          <p:nvPr/>
+        </p:nvSpPr>
+        <p:spPr>
+          <a:xfrm>
+            <a:off x="823950" y="1020344"/>
+            <a:ext cx="1504950" cy="369332"/>
+          </a:xfrm>
+          <a:prstGeom prst="rect">
+            <a:avLst/>
+          </a:prstGeom>
+          <a:noFill/>
+        </p:spPr>
+        <p:txBody>
+          <a:bodyPr wrap="square">
+            <a:spAutoFit/>
+          </a:bodyPr>
+          <a:lstStyle/>
+          <a:p>
+            <a:pPr algn="ctr"/>
+            <a:r>
+              <a:rPr lang="en-US" dirty="0" err="1">
+                <a:solidFill>
+                  <a:schemeClr val="tx1"/>
+                </a:solidFill>
+              </a:rPr>
+              <a:t>ViewHolder</a:t>
+            </a:r>
+            <a:endParaRPr lang="en-SG" dirty="0">
+              <a:solidFill>
+                <a:schemeClr val="tx1"/>
+              </a:solidFill>
+            </a:endParaRPr>
+          </a:p>
+        </p:txBody>
+      </p:sp>
+      <p:sp>
+        <p:nvSpPr>
+          <p:cNvPr id="43" name="TextBox 42">
+            <a:extLst>
+              <a:ext uri="{FF2B5EF4-FFF2-40B4-BE49-F238E27FC236}">
+                <a16:creationId xmlns:a16="http://schemas.microsoft.com/office/drawing/2014/main" id="{07BAD4ED-20CA-4075-8A77-37FBD3BBF1BA}"/>
+              </a:ext>
+            </a:extLst>
+          </p:cNvPr>
+          <p:cNvSpPr txBox="1"/>
+          <p:nvPr/>
+        </p:nvSpPr>
+        <p:spPr>
+          <a:xfrm>
+            <a:off x="3980551" y="2605799"/>
+            <a:ext cx="4325250" cy="1538883"/>
+          </a:xfrm>
+          <a:prstGeom prst="rect">
+            <a:avLst/>
+          </a:prstGeom>
+          <a:noFill/>
+        </p:spPr>
+        <p:txBody>
+          <a:bodyPr wrap="square" rtlCol="0">
+            <a:spAutoFit/>
+          </a:bodyPr>
+          <a:lstStyle/>
+          <a:p>
+            <a:pPr marL="342900" indent="-342900">
+              <a:spcAft>
+                <a:spcPts val="600"/>
+              </a:spcAft>
+              <a:buAutoNum type="arabicPeriod"/>
+            </a:pPr>
+            <a:r>
+              <a:rPr lang="en-US" sz="1400" dirty="0" err="1">
+                <a:latin typeface="Segoe UI" panose="020B0502040204020203" pitchFamily="34" charset="0"/>
+                <a:cs typeface="Segoe UI" panose="020B0502040204020203" pitchFamily="34" charset="0"/>
+              </a:rPr>
+              <a:t>onCreateViewHolder</a:t>
+            </a:r>
+            <a:r>
+              <a:rPr lang="en-US" sz="1400" dirty="0">
+                <a:latin typeface="Segoe UI" panose="020B0502040204020203" pitchFamily="34" charset="0"/>
+                <a:cs typeface="Segoe UI" panose="020B0502040204020203" pitchFamily="34" charset="0"/>
+              </a:rPr>
+              <a:t>() </a:t>
+            </a:r>
+            <a:r>
+              <a:rPr lang="en-US" sz="1400" dirty="0">
+                <a:latin typeface="Segoe UI" panose="020B0502040204020203" pitchFamily="34" charset="0"/>
+                <a:cs typeface="Segoe UI" panose="020B0502040204020203" pitchFamily="34" charset="0"/>
+                <a:sym typeface="Wingdings" panose="05000000000000000000" pitchFamily="2" charset="2"/>
+              </a:rPr>
+              <a:t> Creates and initializes the </a:t>
+            </a:r>
+            <a:r>
+              <a:rPr lang="en-US" sz="1400" dirty="0" err="1">
+                <a:latin typeface="Segoe UI" panose="020B0502040204020203" pitchFamily="34" charset="0"/>
+                <a:cs typeface="Segoe UI" panose="020B0502040204020203" pitchFamily="34" charset="0"/>
+                <a:sym typeface="Wingdings" panose="05000000000000000000" pitchFamily="2" charset="2"/>
+              </a:rPr>
+              <a:t>ViewHolder</a:t>
+            </a:r>
+            <a:r>
+              <a:rPr lang="en-US" sz="1400" dirty="0">
+                <a:latin typeface="Segoe UI" panose="020B0502040204020203" pitchFamily="34" charset="0"/>
+                <a:cs typeface="Segoe UI" panose="020B0502040204020203" pitchFamily="34" charset="0"/>
+                <a:sym typeface="Wingdings" panose="05000000000000000000" pitchFamily="2" charset="2"/>
+              </a:rPr>
+              <a:t> and its associated View.</a:t>
+            </a:r>
+          </a:p>
+          <a:p>
+            <a:pPr marL="342900" indent="-342900">
+              <a:spcAft>
+                <a:spcPts val="600"/>
+              </a:spcAft>
+              <a:buAutoNum type="arabicPeriod"/>
+            </a:pPr>
+            <a:r>
+              <a:rPr lang="en-US" sz="1400" dirty="0" err="1">
+                <a:latin typeface="Segoe UI" panose="020B0502040204020203" pitchFamily="34" charset="0"/>
+                <a:cs typeface="Segoe UI" panose="020B0502040204020203" pitchFamily="34" charset="0"/>
+                <a:sym typeface="Wingdings" panose="05000000000000000000" pitchFamily="2" charset="2"/>
+              </a:rPr>
+              <a:t>onBindViewHolder</a:t>
+            </a:r>
+            <a:r>
+              <a:rPr lang="en-US" sz="1400" dirty="0">
+                <a:latin typeface="Segoe UI" panose="020B0502040204020203" pitchFamily="34" charset="0"/>
+                <a:cs typeface="Segoe UI" panose="020B0502040204020203" pitchFamily="34" charset="0"/>
+                <a:sym typeface="Wingdings" panose="05000000000000000000" pitchFamily="2" charset="2"/>
+              </a:rPr>
+              <a:t>()  Fetches the appropriate data and uses the data to fill in the view holder's layout (i.e. </a:t>
+            </a:r>
+            <a:r>
+              <a:rPr lang="en-US" sz="1400" dirty="0" err="1">
+                <a:latin typeface="Segoe UI" panose="020B0502040204020203" pitchFamily="34" charset="0"/>
+                <a:cs typeface="Segoe UI" panose="020B0502040204020203" pitchFamily="34" charset="0"/>
+                <a:sym typeface="Wingdings" panose="05000000000000000000" pitchFamily="2" charset="2"/>
+              </a:rPr>
+              <a:t>TextView</a:t>
+            </a:r>
+            <a:r>
+              <a:rPr lang="en-US" sz="1400" dirty="0">
+                <a:latin typeface="Segoe UI" panose="020B0502040204020203" pitchFamily="34" charset="0"/>
+                <a:cs typeface="Segoe UI" panose="020B0502040204020203" pitchFamily="34" charset="0"/>
+                <a:sym typeface="Wingdings" panose="05000000000000000000" pitchFamily="2" charset="2"/>
+              </a:rPr>
+              <a:t>, </a:t>
+            </a:r>
+            <a:r>
+              <a:rPr lang="en-US" sz="1400" dirty="0" err="1">
+                <a:latin typeface="Segoe UI" panose="020B0502040204020203" pitchFamily="34" charset="0"/>
+                <a:cs typeface="Segoe UI" panose="020B0502040204020203" pitchFamily="34" charset="0"/>
+                <a:sym typeface="Wingdings" panose="05000000000000000000" pitchFamily="2" charset="2"/>
+              </a:rPr>
+              <a:t>ListView</a:t>
+            </a:r>
+            <a:r>
+              <a:rPr lang="en-US" sz="1400" dirty="0">
+                <a:latin typeface="Segoe UI" panose="020B0502040204020203" pitchFamily="34" charset="0"/>
+                <a:cs typeface="Segoe UI" panose="020B0502040204020203" pitchFamily="34" charset="0"/>
+                <a:sym typeface="Wingdings" panose="05000000000000000000" pitchFamily="2" charset="2"/>
+              </a:rPr>
+              <a:t>, or </a:t>
+            </a:r>
+            <a:r>
+              <a:rPr lang="en-US" sz="1400" dirty="0" err="1">
+                <a:latin typeface="Segoe UI" panose="020B0502040204020203" pitchFamily="34" charset="0"/>
+                <a:cs typeface="Segoe UI" panose="020B0502040204020203" pitchFamily="34" charset="0"/>
+                <a:sym typeface="Wingdings" panose="05000000000000000000" pitchFamily="2" charset="2"/>
+              </a:rPr>
+              <a:t>ImageView</a:t>
+            </a:r>
+            <a:r>
+              <a:rPr lang="en-US" sz="1400" dirty="0">
+                <a:latin typeface="Segoe UI" panose="020B0502040204020203" pitchFamily="34" charset="0"/>
+                <a:cs typeface="Segoe UI" panose="020B0502040204020203" pitchFamily="34" charset="0"/>
+                <a:sym typeface="Wingdings" panose="05000000000000000000" pitchFamily="2" charset="2"/>
+              </a:rPr>
+              <a:t>).</a:t>
+            </a:r>
+          </a:p>
+          <a:p>
+            <a:pPr marL="342900" indent="-342900">
+              <a:spcAft>
+                <a:spcPts val="600"/>
+              </a:spcAft>
+              <a:buAutoNum type="arabicPeriod"/>
+            </a:pPr>
+            <a:r>
+              <a:rPr lang="en-US" sz="1400" dirty="0" err="1">
+                <a:latin typeface="Segoe UI" panose="020B0502040204020203" pitchFamily="34" charset="0"/>
+                <a:cs typeface="Segoe UI" panose="020B0502040204020203" pitchFamily="34" charset="0"/>
+              </a:rPr>
+              <a:t>getItemCount</a:t>
+            </a:r>
+            <a:r>
+              <a:rPr lang="en-US" sz="1400" dirty="0">
+                <a:latin typeface="Segoe UI" panose="020B0502040204020203" pitchFamily="34" charset="0"/>
+                <a:cs typeface="Segoe UI" panose="020B0502040204020203" pitchFamily="34" charset="0"/>
+              </a:rPr>
+              <a:t>() </a:t>
+            </a:r>
+            <a:r>
+              <a:rPr lang="en-US" sz="1400" dirty="0">
+                <a:latin typeface="Segoe UI" panose="020B0502040204020203" pitchFamily="34" charset="0"/>
+                <a:cs typeface="Segoe UI" panose="020B0502040204020203" pitchFamily="34" charset="0"/>
+                <a:sym typeface="Wingdings" panose="05000000000000000000" pitchFamily="2" charset="2"/>
+              </a:rPr>
+              <a:t> </a:t>
+            </a:r>
+            <a:r>
+              <a:rPr lang="en-US" sz="1400" dirty="0">
+                <a:latin typeface="Segoe UI" panose="020B0502040204020203" pitchFamily="34" charset="0"/>
+                <a:cs typeface="Segoe UI" panose="020B0502040204020203" pitchFamily="34" charset="0"/>
+              </a:rPr>
+              <a:t>Gets the size of the data set</a:t>
+            </a:r>
+            <a:endParaRPr lang="en-SG" sz="1400" dirty="0">
+              <a:latin typeface="Segoe UI" panose="020B0502040204020203" pitchFamily="34" charset="0"/>
+              <a:cs typeface="Segoe UI" panose="020B0502040204020203" pitchFamily="34" charset="0"/>
+            </a:endParaRPr>
           </a:p>
         </p:txBody>
       </p:sp>
@@ -4104,6 +4274,99 @@
     <p:extLst>
       <p:ext uri="{BB962C8B-B14F-4D97-AF65-F5344CB8AC3E}">
         <p14:creationId xmlns:p14="http://schemas.microsoft.com/office/powerpoint/2010/main" val="393526594"/>
+      </p:ext>
+    </p:extLst>
+  </p:cSld>
+  <p:clrMapOvr>
+    <a:masterClrMapping/>
+  </p:clrMapOvr>
+</p:sld>
+</file>
+
+<file path=ppt/slides/slide4.xml><?xml version="1.0" encoding="utf-8"?>
+<p:sld xmlns:a="http://schemas.openxmlformats.org/drawingml/2006/main" xmlns:r="http://schemas.openxmlformats.org/officeDocument/2006/relationships" xmlns:p="http://schemas.openxmlformats.org/presentationml/2006/main">
+  <p:cSld>
+    <p:spTree>
+      <p:nvGrpSpPr>
+        <p:cNvPr id="1" name=""/>
+        <p:cNvGrpSpPr/>
+        <p:nvPr/>
+      </p:nvGrpSpPr>
+      <p:grpSpPr>
+        <a:xfrm>
+          <a:off x="0" y="0"/>
+          <a:ext cx="0" cy="0"/>
+          <a:chOff x="0" y="0"/>
+          <a:chExt cx="0" cy="0"/>
+        </a:xfrm>
+      </p:grpSpPr>
+      <p:sp>
+        <p:nvSpPr>
+          <p:cNvPr id="2" name="Title 1">
+            <a:extLst>
+              <a:ext uri="{FF2B5EF4-FFF2-40B4-BE49-F238E27FC236}">
+                <a16:creationId xmlns:a16="http://schemas.microsoft.com/office/drawing/2014/main" id="{9D9ADF61-2343-4150-8592-6E0680070EEA}"/>
+              </a:ext>
+            </a:extLst>
+          </p:cNvPr>
+          <p:cNvSpPr>
+            <a:spLocks noGrp="1"/>
+          </p:cNvSpPr>
+          <p:nvPr>
+            <p:ph type="title"/>
+          </p:nvPr>
+        </p:nvSpPr>
+        <p:spPr/>
+        <p:txBody>
+          <a:bodyPr/>
+          <a:lstStyle/>
+          <a:p>
+            <a:r>
+              <a:rPr lang="en-SG" dirty="0"/>
+              <a:t>Coding nuances that nobody really cares</a:t>
+            </a:r>
+          </a:p>
+        </p:txBody>
+      </p:sp>
+      <p:sp>
+        <p:nvSpPr>
+          <p:cNvPr id="3" name="Content Placeholder 2">
+            <a:extLst>
+              <a:ext uri="{FF2B5EF4-FFF2-40B4-BE49-F238E27FC236}">
+                <a16:creationId xmlns:a16="http://schemas.microsoft.com/office/drawing/2014/main" id="{A7912FF4-9187-4E0A-824C-E0D930645EAF}"/>
+              </a:ext>
+            </a:extLst>
+          </p:cNvPr>
+          <p:cNvSpPr>
+            <a:spLocks noGrp="1"/>
+          </p:cNvSpPr>
+          <p:nvPr>
+            <p:ph idx="1"/>
+          </p:nvPr>
+        </p:nvSpPr>
+        <p:spPr/>
+        <p:txBody>
+          <a:bodyPr/>
+          <a:lstStyle/>
+          <a:p>
+            <a:r>
+              <a:rPr lang="en-SG" dirty="0"/>
+              <a:t>Method or Function?</a:t>
+            </a:r>
+          </a:p>
+          <a:p>
+            <a:pPr lvl="1"/>
+            <a:r>
+              <a:rPr lang="en-SG" dirty="0"/>
+              <a:t>A method presumes the existence of an object (i.e. defined within a class), while a function is free and independent</a:t>
+            </a:r>
+          </a:p>
+        </p:txBody>
+      </p:sp>
+    </p:spTree>
+    <p:extLst>
+      <p:ext uri="{BB962C8B-B14F-4D97-AF65-F5344CB8AC3E}">
+        <p14:creationId xmlns:p14="http://schemas.microsoft.com/office/powerpoint/2010/main" val="831621953"/>
       </p:ext>
     </p:extLst>
   </p:cSld>

--- a/Android Activity Lifecycle.pptx
+++ b/Android Activity Lifecycle.pptx
@@ -8,7 +8,9 @@
     <p:sldId id="256" r:id="rId2"/>
     <p:sldId id="257" r:id="rId3"/>
     <p:sldId id="258" r:id="rId4"/>
-    <p:sldId id="259" r:id="rId5"/>
+    <p:sldId id="260" r:id="rId5"/>
+    <p:sldId id="259" r:id="rId6"/>
+    <p:sldId id="261" r:id="rId7"/>
   </p:sldIdLst>
   <p:sldSz cx="12192000" cy="6858000"/>
   <p:notesSz cx="6858000" cy="9144000"/>
@@ -119,7 +121,9 @@
         <p14:section name="Adapter &gt; ViewHolder &gt; RecyclerView" id="{ED2873D2-7274-4F37-9EA1-29B6BCF376E0}">
           <p14:sldIdLst>
             <p14:sldId id="258"/>
+            <p14:sldId id="260"/>
             <p14:sldId id="259"/>
+            <p14:sldId id="261"/>
           </p14:sldIdLst>
         </p14:section>
       </p14:sectionLst>
@@ -262,7 +266,7 @@
           <a:p>
             <a:fld id="{D0255EFB-A077-440B-BB8F-918E450D588D}" type="datetimeFigureOut">
               <a:rPr lang="en-SG" smtClean="0"/>
-              <a:t>31/5/2022</a:t>
+              <a:t>1/6/2022</a:t>
             </a:fld>
             <a:endParaRPr lang="en-SG"/>
           </a:p>
@@ -432,7 +436,7 @@
           <a:p>
             <a:fld id="{D0255EFB-A077-440B-BB8F-918E450D588D}" type="datetimeFigureOut">
               <a:rPr lang="en-SG" smtClean="0"/>
-              <a:t>31/5/2022</a:t>
+              <a:t>1/6/2022</a:t>
             </a:fld>
             <a:endParaRPr lang="en-SG"/>
           </a:p>
@@ -612,7 +616,7 @@
           <a:p>
             <a:fld id="{D0255EFB-A077-440B-BB8F-918E450D588D}" type="datetimeFigureOut">
               <a:rPr lang="en-SG" smtClean="0"/>
-              <a:t>31/5/2022</a:t>
+              <a:t>1/6/2022</a:t>
             </a:fld>
             <a:endParaRPr lang="en-SG"/>
           </a:p>
@@ -782,7 +786,7 @@
           <a:p>
             <a:fld id="{D0255EFB-A077-440B-BB8F-918E450D588D}" type="datetimeFigureOut">
               <a:rPr lang="en-SG" smtClean="0"/>
-              <a:t>31/5/2022</a:t>
+              <a:t>1/6/2022</a:t>
             </a:fld>
             <a:endParaRPr lang="en-SG"/>
           </a:p>
@@ -1028,7 +1032,7 @@
           <a:p>
             <a:fld id="{D0255EFB-A077-440B-BB8F-918E450D588D}" type="datetimeFigureOut">
               <a:rPr lang="en-SG" smtClean="0"/>
-              <a:t>31/5/2022</a:t>
+              <a:t>1/6/2022</a:t>
             </a:fld>
             <a:endParaRPr lang="en-SG"/>
           </a:p>
@@ -1260,7 +1264,7 @@
           <a:p>
             <a:fld id="{D0255EFB-A077-440B-BB8F-918E450D588D}" type="datetimeFigureOut">
               <a:rPr lang="en-SG" smtClean="0"/>
-              <a:t>31/5/2022</a:t>
+              <a:t>1/6/2022</a:t>
             </a:fld>
             <a:endParaRPr lang="en-SG"/>
           </a:p>
@@ -1627,7 +1631,7 @@
           <a:p>
             <a:fld id="{D0255EFB-A077-440B-BB8F-918E450D588D}" type="datetimeFigureOut">
               <a:rPr lang="en-SG" smtClean="0"/>
-              <a:t>31/5/2022</a:t>
+              <a:t>1/6/2022</a:t>
             </a:fld>
             <a:endParaRPr lang="en-SG"/>
           </a:p>
@@ -1745,7 +1749,7 @@
           <a:p>
             <a:fld id="{D0255EFB-A077-440B-BB8F-918E450D588D}" type="datetimeFigureOut">
               <a:rPr lang="en-SG" smtClean="0"/>
-              <a:t>31/5/2022</a:t>
+              <a:t>1/6/2022</a:t>
             </a:fld>
             <a:endParaRPr lang="en-SG"/>
           </a:p>
@@ -1840,7 +1844,7 @@
           <a:p>
             <a:fld id="{D0255EFB-A077-440B-BB8F-918E450D588D}" type="datetimeFigureOut">
               <a:rPr lang="en-SG" smtClean="0"/>
-              <a:t>31/5/2022</a:t>
+              <a:t>1/6/2022</a:t>
             </a:fld>
             <a:endParaRPr lang="en-SG"/>
           </a:p>
@@ -2117,7 +2121,7 @@
           <a:p>
             <a:fld id="{D0255EFB-A077-440B-BB8F-918E450D588D}" type="datetimeFigureOut">
               <a:rPr lang="en-SG" smtClean="0"/>
-              <a:t>31/5/2022</a:t>
+              <a:t>1/6/2022</a:t>
             </a:fld>
             <a:endParaRPr lang="en-SG"/>
           </a:p>
@@ -2370,7 +2374,7 @@
           <a:p>
             <a:fld id="{D0255EFB-A077-440B-BB8F-918E450D588D}" type="datetimeFigureOut">
               <a:rPr lang="en-SG" smtClean="0"/>
-              <a:t>31/5/2022</a:t>
+              <a:t>1/6/2022</a:t>
             </a:fld>
             <a:endParaRPr lang="en-SG"/>
           </a:p>
@@ -2583,7 +2587,7 @@
           <a:p>
             <a:fld id="{D0255EFB-A077-440B-BB8F-918E450D588D}" type="datetimeFigureOut">
               <a:rPr lang="en-SG" smtClean="0"/>
-              <a:t>31/5/2022</a:t>
+              <a:t>1/6/2022</a:t>
             </a:fld>
             <a:endParaRPr lang="en-SG"/>
           </a:p>
@@ -3695,7 +3699,26 @@
                   <a:schemeClr val="tx1"/>
                 </a:solidFill>
               </a:rPr>
-              <a:t>Data Source</a:t>
+              <a:t>Data </a:t>
+            </a:r>
+            <a:r>
+              <a:rPr lang="en-US" dirty="0" smtClean="0">
+                <a:solidFill>
+                  <a:schemeClr val="tx1"/>
+                </a:solidFill>
+              </a:rPr>
+              <a:t>Source</a:t>
+            </a:r>
+          </a:p>
+          <a:p>
+            <a:pPr algn="ctr"/>
+            <a:r>
+              <a:rPr lang="en-US" dirty="0" smtClean="0">
+                <a:solidFill>
+                  <a:schemeClr val="tx1"/>
+                </a:solidFill>
+              </a:rPr>
+              <a:t>(Local/Remote)</a:t>
             </a:r>
             <a:endParaRPr lang="en-SG" dirty="0">
               <a:solidFill>
@@ -3861,8 +3884,8 @@
         </p:nvSpPr>
         <p:spPr>
           <a:xfrm>
-            <a:off x="4101679" y="570347"/>
-            <a:ext cx="4404715" cy="1169551"/>
+            <a:off x="4101680" y="570347"/>
+            <a:ext cx="3625172" cy="1169551"/>
           </a:xfrm>
           <a:prstGeom prst="rect">
             <a:avLst/>
@@ -4097,7 +4120,7 @@
         <p:spPr>
           <a:xfrm>
             <a:off x="3980551" y="2605799"/>
-            <a:ext cx="4325250" cy="1538883"/>
+            <a:ext cx="4325250" cy="1831271"/>
           </a:xfrm>
           <a:prstGeom prst="rect">
             <a:avLst/>
@@ -4110,6 +4133,34 @@
           </a:bodyPr>
           <a:lstStyle/>
           <a:p>
+            <a:pPr>
+              <a:spcAft>
+                <a:spcPts val="600"/>
+              </a:spcAft>
+            </a:pPr>
+            <a:r>
+              <a:rPr lang="en-US" sz="1400" u="sng" dirty="0" smtClean="0">
+                <a:latin typeface="Segoe UI" panose="020B0502040204020203" pitchFamily="34" charset="0"/>
+                <a:cs typeface="Segoe UI" panose="020B0502040204020203" pitchFamily="34" charset="0"/>
+              </a:rPr>
+              <a:t>Overriding </a:t>
+            </a:r>
+            <a:r>
+              <a:rPr lang="en-US" sz="1400" u="sng" dirty="0" err="1" smtClean="0">
+                <a:latin typeface="Segoe UI" panose="020B0502040204020203" pitchFamily="34" charset="0"/>
+                <a:cs typeface="Segoe UI" panose="020B0502040204020203" pitchFamily="34" charset="0"/>
+              </a:rPr>
+              <a:t>RecyclerView.Adapter’s</a:t>
+            </a:r>
+            <a:r>
+              <a:rPr lang="en-US" sz="1400" u="sng" dirty="0" smtClean="0">
+                <a:latin typeface="Segoe UI" panose="020B0502040204020203" pitchFamily="34" charset="0"/>
+                <a:cs typeface="Segoe UI" panose="020B0502040204020203" pitchFamily="34" charset="0"/>
+              </a:rPr>
+              <a:t> methods</a:t>
+            </a:r>
+          </a:p>
+          <a:p>
             <a:pPr marL="342900" indent="-342900">
               <a:spcAft>
                 <a:spcPts val="600"/>
@@ -4117,7 +4168,7 @@
               <a:buAutoNum type="arabicPeriod"/>
             </a:pPr>
             <a:r>
-              <a:rPr lang="en-US" sz="1400" dirty="0" err="1">
+              <a:rPr lang="en-US" sz="1400" dirty="0" err="1" smtClean="0">
                 <a:latin typeface="Segoe UI" panose="020B0502040204020203" pitchFamily="34" charset="0"/>
                 <a:cs typeface="Segoe UI" panose="020B0502040204020203" pitchFamily="34" charset="0"/>
               </a:rPr>
@@ -4267,6 +4318,100 @@
               <a:latin typeface="Segoe UI" panose="020B0502040204020203" pitchFamily="34" charset="0"/>
               <a:cs typeface="Segoe UI" panose="020B0502040204020203" pitchFamily="34" charset="0"/>
             </a:endParaRPr>
+          </a:p>
+        </p:txBody>
+      </p:sp>
+      <p:sp>
+        <p:nvSpPr>
+          <p:cNvPr id="23" name="Oval 22"/>
+          <p:cNvSpPr/>
+          <p:nvPr/>
+        </p:nvSpPr>
+        <p:spPr>
+          <a:xfrm>
+            <a:off x="7726852" y="570347"/>
+            <a:ext cx="914400" cy="914400"/>
+          </a:xfrm>
+          <a:prstGeom prst="ellipse">
+            <a:avLst/>
+          </a:prstGeom>
+        </p:spPr>
+        <p:style>
+          <a:lnRef idx="2">
+            <a:schemeClr val="accent1">
+              <a:shade val="50000"/>
+            </a:schemeClr>
+          </a:lnRef>
+          <a:fillRef idx="1">
+            <a:schemeClr val="accent1"/>
+          </a:fillRef>
+          <a:effectRef idx="0">
+            <a:schemeClr val="accent1"/>
+          </a:effectRef>
+          <a:fontRef idx="minor">
+            <a:schemeClr val="lt1"/>
+          </a:fontRef>
+        </p:style>
+        <p:txBody>
+          <a:bodyPr rtlCol="0" anchor="ctr"/>
+          <a:lstStyle/>
+          <a:p>
+            <a:pPr algn="ctr"/>
+            <a:r>
+              <a:rPr lang="en-US" sz="1200" dirty="0" smtClean="0"/>
+              <a:t>View</a:t>
+            </a:r>
+          </a:p>
+          <a:p>
+            <a:pPr algn="ctr"/>
+            <a:r>
+              <a:rPr lang="en-US" sz="1200" dirty="0" smtClean="0"/>
+              <a:t>Model</a:t>
+            </a:r>
+            <a:endParaRPr lang="en-SG" sz="1200" dirty="0"/>
+          </a:p>
+        </p:txBody>
+      </p:sp>
+      <p:sp>
+        <p:nvSpPr>
+          <p:cNvPr id="24" name="Oval 23"/>
+          <p:cNvSpPr/>
+          <p:nvPr/>
+        </p:nvSpPr>
+        <p:spPr>
+          <a:xfrm>
+            <a:off x="355600" y="1962812"/>
+            <a:ext cx="914400" cy="914400"/>
+          </a:xfrm>
+          <a:prstGeom prst="ellipse">
+            <a:avLst/>
+          </a:prstGeom>
+        </p:spPr>
+        <p:style>
+          <a:lnRef idx="2">
+            <a:schemeClr val="accent1">
+              <a:shade val="50000"/>
+            </a:schemeClr>
+          </a:lnRef>
+          <a:fillRef idx="1">
+            <a:schemeClr val="accent1"/>
+          </a:fillRef>
+          <a:effectRef idx="0">
+            <a:schemeClr val="accent1"/>
+          </a:effectRef>
+          <a:fontRef idx="minor">
+            <a:schemeClr val="lt1"/>
+          </a:fontRef>
+        </p:style>
+        <p:txBody>
+          <a:bodyPr rtlCol="0" anchor="ctr"/>
+          <a:lstStyle/>
+          <a:p>
+            <a:pPr algn="ctr"/>
+            <a:r>
+              <a:rPr lang="en-US" sz="1200" dirty="0" smtClean="0"/>
+              <a:t>View</a:t>
+            </a:r>
           </a:p>
         </p:txBody>
       </p:sp>
@@ -4302,6 +4447,103 @@
       </p:grpSpPr>
       <p:sp>
         <p:nvSpPr>
+          <p:cNvPr id="2" name="Title 1"/>
+          <p:cNvSpPr>
+            <a:spLocks noGrp="1"/>
+          </p:cNvSpPr>
+          <p:nvPr>
+            <p:ph type="title"/>
+          </p:nvPr>
+        </p:nvSpPr>
+        <p:spPr/>
+        <p:txBody>
+          <a:bodyPr/>
+          <a:lstStyle/>
+          <a:p>
+            <a:r>
+              <a:rPr lang="en-US" dirty="0" smtClean="0"/>
+              <a:t>Model vs. </a:t>
+            </a:r>
+            <a:r>
+              <a:rPr lang="en-US" dirty="0" err="1" smtClean="0"/>
+              <a:t>Datasource</a:t>
+            </a:r>
+            <a:endParaRPr lang="en-SG" dirty="0"/>
+          </a:p>
+        </p:txBody>
+      </p:sp>
+      <p:sp>
+        <p:nvSpPr>
+          <p:cNvPr id="3" name="Content Placeholder 2"/>
+          <p:cNvSpPr>
+            <a:spLocks noGrp="1"/>
+          </p:cNvSpPr>
+          <p:nvPr>
+            <p:ph idx="1"/>
+          </p:nvPr>
+        </p:nvSpPr>
+        <p:spPr/>
+        <p:txBody>
+          <a:bodyPr/>
+          <a:lstStyle/>
+          <a:p>
+            <a:r>
+              <a:rPr lang="en-US" dirty="0" smtClean="0"/>
+              <a:t>Each model represents certain data you want in your app</a:t>
+            </a:r>
+          </a:p>
+          <a:p>
+            <a:pPr lvl="1"/>
+            <a:r>
+              <a:rPr lang="en-US" dirty="0" smtClean="0"/>
+              <a:t>e.g. Car model, Fruit model, House model</a:t>
+            </a:r>
+          </a:p>
+          <a:p>
+            <a:r>
+              <a:rPr lang="en-US" dirty="0" err="1" smtClean="0"/>
+              <a:t>Datasource</a:t>
+            </a:r>
+            <a:r>
+              <a:rPr lang="en-US" dirty="0" smtClean="0"/>
+              <a:t> is a separate class where you can create functions to handle different types of data models</a:t>
+            </a:r>
+            <a:endParaRPr lang="en-SG" dirty="0"/>
+          </a:p>
+        </p:txBody>
+      </p:sp>
+    </p:spTree>
+    <p:extLst>
+      <p:ext uri="{BB962C8B-B14F-4D97-AF65-F5344CB8AC3E}">
+        <p14:creationId xmlns:p14="http://schemas.microsoft.com/office/powerpoint/2010/main" val="2758969986"/>
+      </p:ext>
+    </p:extLst>
+  </p:cSld>
+  <p:clrMapOvr>
+    <a:masterClrMapping/>
+  </p:clrMapOvr>
+</p:sld>
+</file>
+
+<file path=ppt/slides/slide5.xml><?xml version="1.0" encoding="utf-8"?>
+<p:sld xmlns:a="http://schemas.openxmlformats.org/drawingml/2006/main" xmlns:r="http://schemas.openxmlformats.org/officeDocument/2006/relationships" xmlns:p="http://schemas.openxmlformats.org/presentationml/2006/main">
+  <p:cSld>
+    <p:spTree>
+      <p:nvGrpSpPr>
+        <p:cNvPr id="1" name=""/>
+        <p:cNvGrpSpPr/>
+        <p:nvPr/>
+      </p:nvGrpSpPr>
+      <p:grpSpPr>
+        <a:xfrm>
+          <a:off x="0" y="0"/>
+          <a:ext cx="0" cy="0"/>
+          <a:chOff x="0" y="0"/>
+          <a:chExt cx="0" cy="0"/>
+        </a:xfrm>
+      </p:grpSpPr>
+      <p:sp>
+        <p:nvSpPr>
           <p:cNvPr id="2" name="Title 1">
             <a:extLst>
               <a:ext uri="{FF2B5EF4-FFF2-40B4-BE49-F238E27FC236}">
@@ -4367,6 +4609,136 @@
     <p:extLst>
       <p:ext uri="{BB962C8B-B14F-4D97-AF65-F5344CB8AC3E}">
         <p14:creationId xmlns:p14="http://schemas.microsoft.com/office/powerpoint/2010/main" val="831621953"/>
+      </p:ext>
+    </p:extLst>
+  </p:cSld>
+  <p:clrMapOvr>
+    <a:masterClrMapping/>
+  </p:clrMapOvr>
+</p:sld>
+</file>
+
+<file path=ppt/slides/slide6.xml><?xml version="1.0" encoding="utf-8"?>
+<p:sld xmlns:a="http://schemas.openxmlformats.org/drawingml/2006/main" xmlns:r="http://schemas.openxmlformats.org/officeDocument/2006/relationships" xmlns:p="http://schemas.openxmlformats.org/presentationml/2006/main">
+  <p:cSld>
+    <p:spTree>
+      <p:nvGrpSpPr>
+        <p:cNvPr id="1" name=""/>
+        <p:cNvGrpSpPr/>
+        <p:nvPr/>
+      </p:nvGrpSpPr>
+      <p:grpSpPr>
+        <a:xfrm>
+          <a:off x="0" y="0"/>
+          <a:ext cx="0" cy="0"/>
+          <a:chOff x="0" y="0"/>
+          <a:chExt cx="0" cy="0"/>
+        </a:xfrm>
+      </p:grpSpPr>
+      <p:sp>
+        <p:nvSpPr>
+          <p:cNvPr id="2" name="Title 1"/>
+          <p:cNvSpPr>
+            <a:spLocks noGrp="1"/>
+          </p:cNvSpPr>
+          <p:nvPr>
+            <p:ph type="title"/>
+          </p:nvPr>
+        </p:nvSpPr>
+        <p:spPr/>
+        <p:txBody>
+          <a:bodyPr/>
+          <a:lstStyle/>
+          <a:p>
+            <a:r>
+              <a:rPr lang="en-US" dirty="0" smtClean="0"/>
+              <a:t>More concepts</a:t>
+            </a:r>
+            <a:endParaRPr lang="en-SG" dirty="0"/>
+          </a:p>
+        </p:txBody>
+      </p:sp>
+      <p:sp>
+        <p:nvSpPr>
+          <p:cNvPr id="3" name="Content Placeholder 2"/>
+          <p:cNvSpPr>
+            <a:spLocks noGrp="1"/>
+          </p:cNvSpPr>
+          <p:nvPr>
+            <p:ph idx="1"/>
+          </p:nvPr>
+        </p:nvSpPr>
+        <p:spPr/>
+        <p:txBody>
+          <a:bodyPr/>
+          <a:lstStyle/>
+          <a:p>
+            <a:r>
+              <a:rPr lang="en-US" dirty="0" smtClean="0"/>
+              <a:t>Clean Architecture</a:t>
+            </a:r>
+          </a:p>
+          <a:p>
+            <a:r>
+              <a:rPr lang="en-US" dirty="0" smtClean="0"/>
+              <a:t>MVVM Architecture</a:t>
+            </a:r>
+          </a:p>
+          <a:p>
+            <a:pPr lvl="1"/>
+            <a:r>
+              <a:rPr lang="en-US" dirty="0" smtClean="0"/>
+              <a:t>Single </a:t>
+            </a:r>
+            <a:r>
+              <a:rPr lang="en-US" dirty="0"/>
+              <a:t>Source of </a:t>
+            </a:r>
+            <a:r>
+              <a:rPr lang="en-US" dirty="0" smtClean="0"/>
+              <a:t>Truth </a:t>
+            </a:r>
+            <a:r>
+              <a:rPr lang="en-US" dirty="0" smtClean="0">
+                <a:sym typeface="Wingdings" panose="05000000000000000000" pitchFamily="2" charset="2"/>
+              </a:rPr>
+              <a:t> to implement the repository pattern</a:t>
+            </a:r>
+            <a:endParaRPr lang="en-US" dirty="0" smtClean="0"/>
+          </a:p>
+          <a:p>
+            <a:r>
+              <a:rPr lang="en-US" dirty="0" smtClean="0"/>
+              <a:t>Dependency Injection</a:t>
+            </a:r>
+          </a:p>
+          <a:p>
+            <a:r>
+              <a:rPr lang="en-US" dirty="0">
+                <a:hlinkClick r:id="rId2"/>
+              </a:rPr>
+              <a:t>https://</a:t>
+            </a:r>
+            <a:r>
+              <a:rPr lang="en-US" dirty="0" smtClean="0">
+                <a:hlinkClick r:id="rId2"/>
+              </a:rPr>
+              <a:t>developer.android.com/topic/architecture#recommended-app-arch</a:t>
+            </a:r>
+            <a:endParaRPr lang="en-US" dirty="0" smtClean="0"/>
+          </a:p>
+          <a:p>
+            <a:r>
+              <a:rPr lang="en-US" dirty="0" smtClean="0"/>
+              <a:t>Data Access Object (DAO)</a:t>
+            </a:r>
+          </a:p>
+        </p:txBody>
+      </p:sp>
+    </p:spTree>
+    <p:extLst>
+      <p:ext uri="{BB962C8B-B14F-4D97-AF65-F5344CB8AC3E}">
+        <p14:creationId xmlns:p14="http://schemas.microsoft.com/office/powerpoint/2010/main" val="1846938743"/>
       </p:ext>
     </p:extLst>
   </p:cSld>
